--- a/Medicare_Rx_Slides.pptx
+++ b/Medicare_Rx_Slides.pptx
@@ -14,9 +14,8 @@
     <p:sldId id="267" r:id="rId8"/>
     <p:sldId id="269" r:id="rId9"/>
     <p:sldId id="270" r:id="rId10"/>
-    <p:sldId id="273" r:id="rId11"/>
-    <p:sldId id="271" r:id="rId12"/>
-    <p:sldId id="272" r:id="rId13"/>
+    <p:sldId id="271" r:id="rId11"/>
+    <p:sldId id="272" r:id="rId12"/>
   </p:sldIdLst>
   <p:sldSz cx="12192000" cy="6858000"/>
   <p:notesSz cx="6858000" cy="9144000"/>
@@ -6337,7 +6336,7 @@
           </a:effectLst>
           <a:extLst>
             <a:ext uri="{91240B29-F687-4f45-9708-019B960494DF}">
-              <a14:hiddenLine xmlns:a16="http://schemas.microsoft.com/office/drawing/2014/main" xmlns:p14="http://schemas.microsoft.com/office/powerpoint/2010/main" xmlns:a14="http://schemas.microsoft.com/office/drawing/2010/main" xmlns="" w="9525">
+              <a14:hiddenLine xmlns="" xmlns:a14="http://schemas.microsoft.com/office/drawing/2010/main" xmlns:p14="http://schemas.microsoft.com/office/powerpoint/2010/main" xmlns:a16="http://schemas.microsoft.com/office/drawing/2014/main" w="9525">
                 <a:solidFill>
                   <a:srgbClr val="000000"/>
                 </a:solidFill>
@@ -6469,7 +6468,7 @@
           <p:cNvPr id="2" name="Title 1">
             <a:extLst>
               <a:ext uri="{FF2B5EF4-FFF2-40B4-BE49-F238E27FC236}">
-                <a16:creationId xmlns:a16="http://schemas.microsoft.com/office/drawing/2014/main" id="{991E4C8D-63B0-492E-9F87-8369281EBE1D}"/>
+                <a16:creationId xmlns:a16="http://schemas.microsoft.com/office/drawing/2014/main" id="{5D6C2765-5B84-403A-800E-FE714F17ABC5}"/>
               </a:ext>
             </a:extLst>
           </p:cNvPr>
@@ -6485,41 +6484,54 @@
           <a:bodyPr/>
           <a:lstStyle/>
           <a:p>
-            <a:endParaRPr lang="en-US"/>
-          </a:p>
-        </p:txBody>
-      </p:sp>
-      <p:sp>
-        <p:nvSpPr>
-          <p:cNvPr id="3" name="Text Placeholder 2">
+            <a:r>
+              <a:rPr lang="en-US" dirty="0"/>
+              <a:t>How Effective was Algorithm?</a:t>
+            </a:r>
+          </a:p>
+        </p:txBody>
+      </p:sp>
+      <p:pic>
+        <p:nvPicPr>
+          <p:cNvPr id="6" name="Content Placeholder 5">
             <a:extLst>
               <a:ext uri="{FF2B5EF4-FFF2-40B4-BE49-F238E27FC236}">
-                <a16:creationId xmlns:a16="http://schemas.microsoft.com/office/drawing/2014/main" id="{62EC080F-BC71-4567-9808-172D8EC4B59F}"/>
+                <a16:creationId xmlns:a16="http://schemas.microsoft.com/office/drawing/2014/main" id="{149F9323-2DF5-41A9-9947-76941BFACD27}"/>
               </a:ext>
             </a:extLst>
           </p:cNvPr>
-          <p:cNvSpPr>
-            <a:spLocks noGrp="1"/>
-          </p:cNvSpPr>
-          <p:nvPr>
-            <p:ph type="body" idx="1"/>
-          </p:nvPr>
-        </p:nvSpPr>
-        <p:spPr/>
-        <p:txBody>
-          <a:bodyPr/>
-          <a:lstStyle/>
-          <a:p>
-            <a:endParaRPr lang="en-US"/>
-          </a:p>
-        </p:txBody>
-      </p:sp>
+          <p:cNvPicPr>
+            <a:picLocks noGrp="1" noChangeAspect="1"/>
+          </p:cNvPicPr>
+          <p:nvPr>
+            <p:ph sz="half" idx="1"/>
+          </p:nvPr>
+        </p:nvPicPr>
+        <p:blipFill>
+          <a:blip r:embed="rId2">
+            <a:extLst>
+              <a:ext uri="{28A0092B-C50C-407E-A947-70E740481C1C}">
+                <a14:useLocalDpi xmlns:a14="http://schemas.microsoft.com/office/drawing/2010/main" val="0"/>
+              </a:ext>
+            </a:extLst>
+          </a:blip>
+          <a:stretch>
+            <a:fillRect/>
+          </a:stretch>
+        </p:blipFill>
+        <p:spPr>
+          <a:xfrm>
+            <a:off x="1531144" y="2076450"/>
+            <a:ext cx="3622675" cy="3622675"/>
+          </a:xfrm>
+        </p:spPr>
+      </p:pic>
       <p:sp>
         <p:nvSpPr>
           <p:cNvPr id="4" name="Content Placeholder 3">
             <a:extLst>
               <a:ext uri="{FF2B5EF4-FFF2-40B4-BE49-F238E27FC236}">
-                <a16:creationId xmlns:a16="http://schemas.microsoft.com/office/drawing/2014/main" id="{54D83E0D-866F-433C-BA94-0CB27955F748}"/>
+                <a16:creationId xmlns:a16="http://schemas.microsoft.com/office/drawing/2014/main" id="{00A3F557-95AF-4417-84BD-5E00FE595618}"/>
               </a:ext>
             </a:extLst>
           </p:cNvPr>
@@ -6530,69 +6542,96 @@
             <p:ph sz="half" idx="2"/>
           </p:nvPr>
         </p:nvSpPr>
-        <p:spPr/>
-        <p:txBody>
-          <a:bodyPr/>
-          <a:lstStyle/>
-          <a:p>
-            <a:endParaRPr lang="en-US"/>
-          </a:p>
-        </p:txBody>
-      </p:sp>
-      <p:sp>
-        <p:nvSpPr>
-          <p:cNvPr id="5" name="Text Placeholder 4">
-            <a:extLst>
-              <a:ext uri="{FF2B5EF4-FFF2-40B4-BE49-F238E27FC236}">
-                <a16:creationId xmlns:a16="http://schemas.microsoft.com/office/drawing/2014/main" id="{B35437EA-3339-4402-8518-9AF4D3EE3440}"/>
-              </a:ext>
-            </a:extLst>
-          </p:cNvPr>
-          <p:cNvSpPr>
-            <a:spLocks noGrp="1"/>
-          </p:cNvSpPr>
-          <p:nvPr>
-            <p:ph type="body" sz="quarter" idx="3"/>
-          </p:nvPr>
-        </p:nvSpPr>
-        <p:spPr/>
-        <p:txBody>
-          <a:bodyPr/>
-          <a:lstStyle/>
-          <a:p>
-            <a:endParaRPr lang="en-US"/>
-          </a:p>
-        </p:txBody>
-      </p:sp>
-      <p:sp>
-        <p:nvSpPr>
-          <p:cNvPr id="6" name="Content Placeholder 5">
-            <a:extLst>
-              <a:ext uri="{FF2B5EF4-FFF2-40B4-BE49-F238E27FC236}">
-                <a16:creationId xmlns:a16="http://schemas.microsoft.com/office/drawing/2014/main" id="{A7BE09F6-853D-46D9-BF07-E881E6022BDA}"/>
-              </a:ext>
-            </a:extLst>
-          </p:cNvPr>
-          <p:cNvSpPr>
-            <a:spLocks noGrp="1"/>
-          </p:cNvSpPr>
-          <p:nvPr>
-            <p:ph sz="quarter" idx="4"/>
-          </p:nvPr>
-        </p:nvSpPr>
-        <p:spPr/>
-        <p:txBody>
-          <a:bodyPr/>
-          <a:lstStyle/>
-          <a:p>
-            <a:endParaRPr lang="en-US"/>
+        <p:spPr>
+          <a:xfrm>
+            <a:off x="6410716" y="2076451"/>
+            <a:ext cx="5113069" cy="3622672"/>
+          </a:xfrm>
+        </p:spPr>
+        <p:txBody>
+          <a:bodyPr>
+            <a:normAutofit fontScale="55000" lnSpcReduction="20000"/>
+          </a:bodyPr>
+          <a:lstStyle/>
+          <a:p>
+            <a:r>
+              <a:rPr lang="en-US" dirty="0">
+                <a:effectLst/>
+              </a:rPr>
+              <a:t>Random Forest and Gradient Boosting were both tested as potential Machine Learning Models</a:t>
+            </a:r>
+          </a:p>
+          <a:p>
+            <a:r>
+              <a:rPr lang="en-US" dirty="0">
+                <a:effectLst/>
+              </a:rPr>
+              <a:t>Gradient Boosting was found to be slightly more effective; it had a Coefficient of </a:t>
+            </a:r>
+            <a:r>
+              <a:rPr lang="en-US" dirty="0" err="1">
+                <a:effectLst/>
+              </a:rPr>
+              <a:t>Determinitation</a:t>
+            </a:r>
+            <a:r>
+              <a:rPr lang="en-US" dirty="0">
+                <a:effectLst/>
+              </a:rPr>
+              <a:t> of .67</a:t>
+            </a:r>
+          </a:p>
+          <a:p>
+            <a:r>
+              <a:rPr lang="en-US" dirty="0">
+                <a:effectLst/>
+              </a:rPr>
+              <a:t>This indicates that the Algorithm found 67% of the variance in drug costs predictable from the variables present in the data</a:t>
+            </a:r>
+          </a:p>
+          <a:p>
+            <a:r>
+              <a:rPr lang="en-US" dirty="0">
+                <a:effectLst/>
+              </a:rPr>
+              <a:t>The variance not explained by the Coefficient of determination is likely due to effects not measured by our variables. Potential examples include:</a:t>
+            </a:r>
+          </a:p>
+          <a:p>
+            <a:pPr lvl="1"/>
+            <a:r>
+              <a:rPr lang="en-US" dirty="0">
+                <a:effectLst/>
+              </a:rPr>
+              <a:t>How effected specific physician are to the marketing and persuasion of pharmaceutical companies representatives </a:t>
+            </a:r>
+          </a:p>
+          <a:p>
+            <a:pPr lvl="1"/>
+            <a:r>
+              <a:rPr lang="en-US" dirty="0">
+                <a:effectLst/>
+              </a:rPr>
+              <a:t>Doctor having a large percentage of patients with a health condition not represented in the data.</a:t>
+            </a:r>
+          </a:p>
+          <a:p>
+            <a:r>
+              <a:rPr lang="en-US" dirty="0">
+                <a:effectLst/>
+              </a:rPr>
+              <a:t>Given that there are multiple potential explanations why drug costs could be higher than predicted, it would be appropriate to investigate flagged individuals before making definitive conclusions</a:t>
+            </a:r>
+          </a:p>
+          <a:p>
+            <a:endParaRPr lang="en-US" dirty="0"/>
           </a:p>
         </p:txBody>
       </p:sp>
     </p:spTree>
     <p:extLst>
       <p:ext uri="{BB962C8B-B14F-4D97-AF65-F5344CB8AC3E}">
-        <p14:creationId xmlns:p14="http://schemas.microsoft.com/office/powerpoint/2010/main" val="1877238506"/>
+        <p14:creationId xmlns:p14="http://schemas.microsoft.com/office/powerpoint/2010/main" val="1798644844"/>
       </p:ext>
     </p:extLst>
   </p:cSld>
@@ -6624,200 +6663,6 @@
           <p:cNvPr id="2" name="Title 1">
             <a:extLst>
               <a:ext uri="{FF2B5EF4-FFF2-40B4-BE49-F238E27FC236}">
-                <a16:creationId xmlns:a16="http://schemas.microsoft.com/office/drawing/2014/main" id="{5D6C2765-5B84-403A-800E-FE714F17ABC5}"/>
-              </a:ext>
-            </a:extLst>
-          </p:cNvPr>
-          <p:cNvSpPr>
-            <a:spLocks noGrp="1"/>
-          </p:cNvSpPr>
-          <p:nvPr>
-            <p:ph type="title"/>
-          </p:nvPr>
-        </p:nvSpPr>
-        <p:spPr/>
-        <p:txBody>
-          <a:bodyPr/>
-          <a:lstStyle/>
-          <a:p>
-            <a:r>
-              <a:rPr lang="en-US" dirty="0"/>
-              <a:t>How Effective was Algorithm?</a:t>
-            </a:r>
-          </a:p>
-        </p:txBody>
-      </p:sp>
-      <p:pic>
-        <p:nvPicPr>
-          <p:cNvPr id="6" name="Content Placeholder 5">
-            <a:extLst>
-              <a:ext uri="{FF2B5EF4-FFF2-40B4-BE49-F238E27FC236}">
-                <a16:creationId xmlns:a16="http://schemas.microsoft.com/office/drawing/2014/main" id="{149F9323-2DF5-41A9-9947-76941BFACD27}"/>
-              </a:ext>
-            </a:extLst>
-          </p:cNvPr>
-          <p:cNvPicPr>
-            <a:picLocks noGrp="1" noChangeAspect="1"/>
-          </p:cNvPicPr>
-          <p:nvPr>
-            <p:ph sz="half" idx="1"/>
-          </p:nvPr>
-        </p:nvPicPr>
-        <p:blipFill>
-          <a:blip r:embed="rId2">
-            <a:extLst>
-              <a:ext uri="{28A0092B-C50C-407E-A947-70E740481C1C}">
-                <a14:useLocalDpi xmlns:a14="http://schemas.microsoft.com/office/drawing/2010/main" val="0"/>
-              </a:ext>
-            </a:extLst>
-          </a:blip>
-          <a:stretch>
-            <a:fillRect/>
-          </a:stretch>
-        </p:blipFill>
-        <p:spPr>
-          <a:xfrm>
-            <a:off x="1531144" y="2076450"/>
-            <a:ext cx="3622675" cy="3622675"/>
-          </a:xfrm>
-        </p:spPr>
-      </p:pic>
-      <p:sp>
-        <p:nvSpPr>
-          <p:cNvPr id="4" name="Content Placeholder 3">
-            <a:extLst>
-              <a:ext uri="{FF2B5EF4-FFF2-40B4-BE49-F238E27FC236}">
-                <a16:creationId xmlns:a16="http://schemas.microsoft.com/office/drawing/2014/main" id="{00A3F557-95AF-4417-84BD-5E00FE595618}"/>
-              </a:ext>
-            </a:extLst>
-          </p:cNvPr>
-          <p:cNvSpPr>
-            <a:spLocks noGrp="1"/>
-          </p:cNvSpPr>
-          <p:nvPr>
-            <p:ph sz="half" idx="2"/>
-          </p:nvPr>
-        </p:nvSpPr>
-        <p:spPr>
-          <a:xfrm>
-            <a:off x="6410716" y="2076451"/>
-            <a:ext cx="5113069" cy="3622672"/>
-          </a:xfrm>
-        </p:spPr>
-        <p:txBody>
-          <a:bodyPr>
-            <a:normAutofit fontScale="55000" lnSpcReduction="20000"/>
-          </a:bodyPr>
-          <a:lstStyle/>
-          <a:p>
-            <a:r>
-              <a:rPr lang="en-US" dirty="0">
-                <a:effectLst/>
-              </a:rPr>
-              <a:t>Random Forest and Gradient Boosting were both tested as potential Machine Learning Models</a:t>
-            </a:r>
-          </a:p>
-          <a:p>
-            <a:r>
-              <a:rPr lang="en-US" dirty="0">
-                <a:effectLst/>
-              </a:rPr>
-              <a:t>Gradient Boosting was found to be more effective with a Coefficient of </a:t>
-            </a:r>
-            <a:r>
-              <a:rPr lang="en-US" dirty="0" err="1">
-                <a:effectLst/>
-              </a:rPr>
-              <a:t>Determinitation</a:t>
-            </a:r>
-            <a:r>
-              <a:rPr lang="en-US" dirty="0">
-                <a:effectLst/>
-              </a:rPr>
-              <a:t> of .67</a:t>
-            </a:r>
-          </a:p>
-          <a:p>
-            <a:r>
-              <a:rPr lang="en-US" dirty="0">
-                <a:effectLst/>
-              </a:rPr>
-              <a:t>This indicates that the Algorithm found 67% of the variance in drug costs predictable from the variables present in the </a:t>
-            </a:r>
-            <a:r>
-              <a:rPr lang="en-US" dirty="0" err="1">
-                <a:effectLst/>
-              </a:rPr>
-              <a:t>dataframe</a:t>
-            </a:r>
-            <a:endParaRPr lang="en-US" dirty="0">
-              <a:effectLst/>
-            </a:endParaRPr>
-          </a:p>
-          <a:p>
-            <a:r>
-              <a:rPr lang="en-US" dirty="0">
-                <a:effectLst/>
-              </a:rPr>
-              <a:t>The variance not explained by the Coefficient of determination is largely  due to effects not measured by our variables. For instance the persuasion of pharmaceutical companies representatives on doctors, or a doctor having a large percentage of patients with a health condition not represented in the data.</a:t>
-            </a:r>
-          </a:p>
-          <a:p>
-            <a:r>
-              <a:rPr lang="en-US" dirty="0">
-                <a:effectLst/>
-              </a:rPr>
-              <a:t>Given that are potential reasonable explanations why drug costs could be higher this would primarily be used as a way to recognize doctors that could be looked into for deeper understanding.</a:t>
-            </a:r>
-          </a:p>
-          <a:p>
-            <a:r>
-              <a:rPr lang="en-US" dirty="0">
-                <a:effectLst/>
-              </a:rPr>
-              <a:t>.</a:t>
-            </a:r>
-          </a:p>
-          <a:p>
-            <a:endParaRPr lang="en-US" dirty="0"/>
-          </a:p>
-        </p:txBody>
-      </p:sp>
-    </p:spTree>
-    <p:extLst>
-      <p:ext uri="{BB962C8B-B14F-4D97-AF65-F5344CB8AC3E}">
-        <p14:creationId xmlns:p14="http://schemas.microsoft.com/office/powerpoint/2010/main" val="1798644844"/>
-      </p:ext>
-    </p:extLst>
-  </p:cSld>
-  <p:clrMapOvr>
-    <a:masterClrMapping/>
-  </p:clrMapOvr>
-</p:sld>
-</file>
-
-<file path=ppt/slides/slide12.xml><?xml version="1.0" encoding="utf-8"?>
-<p:sld xmlns:a="http://schemas.openxmlformats.org/drawingml/2006/main" xmlns:r="http://schemas.openxmlformats.org/officeDocument/2006/relationships" xmlns:p="http://schemas.openxmlformats.org/presentationml/2006/main">
-  <p:cSld>
-    <p:spTree>
-      <p:nvGrpSpPr>
-        <p:cNvPr id="1" name=""/>
-        <p:cNvGrpSpPr/>
-        <p:nvPr/>
-      </p:nvGrpSpPr>
-      <p:grpSpPr>
-        <a:xfrm>
-          <a:off x="0" y="0"/>
-          <a:ext cx="0" cy="0"/>
-          <a:chOff x="0" y="0"/>
-          <a:chExt cx="0" cy="0"/>
-        </a:xfrm>
-      </p:grpSpPr>
-      <p:sp>
-        <p:nvSpPr>
-          <p:cNvPr id="2" name="Title 1">
-            <a:extLst>
-              <a:ext uri="{FF2B5EF4-FFF2-40B4-BE49-F238E27FC236}">
                 <a16:creationId xmlns:a16="http://schemas.microsoft.com/office/drawing/2014/main" id="{1B01E52E-049E-4194-BBCE-1A96118F6DE1}"/>
               </a:ext>
             </a:extLst>
@@ -6870,7 +6715,7 @@
         <p:spPr/>
         <p:txBody>
           <a:bodyPr>
-            <a:normAutofit fontScale="92500" lnSpcReduction="10000"/>
+            <a:normAutofit/>
           </a:bodyPr>
           <a:lstStyle/>
           <a:p>
@@ -6878,23 +6723,34 @@
               <a:rPr lang="en-US" dirty="0">
                 <a:effectLst/>
               </a:rPr>
-              <a:t>This data could also be useful to pharmaceutical companies. For instance if a company was releasing a new medication they could look at physicians that are outliers as potential effective to market to</a:t>
-            </a:r>
-          </a:p>
-          <a:p>
+              <a:t>This data could also be useful to pharmaceutical companies. </a:t>
+            </a:r>
+          </a:p>
+          <a:p>
+            <a:pPr lvl="1"/>
             <a:r>
               <a:rPr lang="en-US" dirty="0">
                 <a:effectLst/>
               </a:rPr>
-              <a:t>Pharmaceutical’s releasing new medications could target their marketing efforts toward outliers as well. They would want to recognize outlier physicians as physicians who are particularly open to marketing. </a:t>
-            </a:r>
-          </a:p>
-          <a:p>
+              <a:t>If a company was releasing a new medication they could look at physicians that are outliers as potentially highly  effective to market to</a:t>
+            </a:r>
+          </a:p>
+          <a:p>
+            <a:pPr lvl="1"/>
             <a:r>
               <a:rPr lang="en-US" dirty="0">
                 <a:effectLst/>
               </a:rPr>
-              <a:t>Additionally with just a few modifications they switch in the specialties that pertain most closely for there drugs. They could also look filter the data to specifically look at there competitor drugs and see which doctors have been most open to prescribing brand name medications.</a:t>
+              <a:t>Companies could put extra resources toward targeting these outliers.</a:t>
+            </a:r>
+          </a:p>
+          <a:p>
+            <a:pPr lvl="1"/>
+            <a:r>
+              <a:rPr lang="en-US" dirty="0">
+                <a:effectLst/>
+              </a:rPr>
+              <a:t>Additionally, the Algorithm and data could easily be manipulated to focus on the specialties and types of drugs relevant to the company.</a:t>
             </a:r>
             <a:endParaRPr lang="en-US" dirty="0"/>
           </a:p>
@@ -7435,20 +7291,48 @@
         </p:spPr>
         <p:txBody>
           <a:bodyPr>
-            <a:normAutofit fontScale="92500" lnSpcReduction="10000"/>
+            <a:normAutofit fontScale="62500" lnSpcReduction="20000"/>
           </a:bodyPr>
           <a:lstStyle/>
           <a:p>
             <a:r>
               <a:rPr lang="en-US" dirty="0"/>
-              <a:t>Important features the algorithms used to make predictive conclusions included number of prescriptions written, health demographics of patient populations, and socio-economic demographics of patient population.</a:t>
-            </a:r>
-          </a:p>
-          <a:p>
+              <a:t>Dataset was comprised of two separate </a:t>
+            </a:r>
+            <a:r>
+              <a:rPr lang="en-US" dirty="0" err="1"/>
+              <a:t>Dataframes</a:t>
+            </a:r>
             <a:r>
               <a:rPr lang="en-US" dirty="0"/>
-              <a:t>Creating distinctions between specialty of Doctor’s was also of great importance</a:t>
-            </a:r>
+              <a:t> from Medicare.gov</a:t>
+            </a:r>
+          </a:p>
+          <a:p>
+            <a:r>
+              <a:rPr lang="en-US" dirty="0"/>
+              <a:t>One file included information about physicians’ patient population: health demographics of patient populations, socio-economic demographics of patient population, etc..</a:t>
+            </a:r>
+          </a:p>
+          <a:p>
+            <a:r>
+              <a:rPr lang="en-US" dirty="0"/>
+              <a:t>2</a:t>
+            </a:r>
+            <a:r>
+              <a:rPr lang="en-US" baseline="30000" dirty="0"/>
+              <a:t>nd</a:t>
+            </a:r>
+            <a:r>
+              <a:rPr lang="en-US" dirty="0"/>
+              <a:t> file was a dataframe of every type of drug the doctor had prescribed for the year and the related amounts and costs. </a:t>
+            </a:r>
+          </a:p>
+          <a:p>
+            <a:pPr marL="36900" indent="0">
+              <a:buNone/>
+            </a:pPr>
+            <a:endParaRPr lang="en-US" dirty="0"/>
           </a:p>
           <a:p>
             <a:endParaRPr lang="en-US" dirty="0"/>
@@ -7474,58 +7358,69 @@
         <p:spPr/>
         <p:txBody>
           <a:bodyPr>
-            <a:normAutofit fontScale="92500" lnSpcReduction="10000"/>
+            <a:normAutofit fontScale="62500" lnSpcReduction="20000"/>
           </a:bodyPr>
           <a:lstStyle/>
           <a:p>
             <a:r>
               <a:rPr lang="en-US" dirty="0"/>
-              <a:t>Among the over 50 examples of features the algorithm looked at for each doctor:</a:t>
+              <a:t>There were 50 features the algorithm looked at for each physician:</a:t>
+            </a:r>
+          </a:p>
+          <a:p>
+            <a:r>
+              <a:rPr lang="en-US" dirty="0"/>
+              <a:t>After using Machine learning ‘feature importance,’ values were assigned for each feature based on the percentage of information they gave to fit the model to the data. </a:t>
+            </a:r>
+          </a:p>
+          <a:p>
+            <a:r>
+              <a:rPr lang="en-US" dirty="0"/>
+              <a:t>The most important groups of features in order of importance:</a:t>
             </a:r>
           </a:p>
           <a:p>
             <a:pPr lvl="1"/>
             <a:r>
               <a:rPr lang="en-US" dirty="0"/>
-              <a:t>Total 30 Day prescriptions filled for entire year</a:t>
+              <a:t>Number of prescriptions written:  39.2%</a:t>
             </a:r>
           </a:p>
           <a:p>
             <a:pPr lvl="1"/>
             <a:r>
               <a:rPr lang="en-US" dirty="0"/>
-              <a:t>Every physician’s percentage of patients diagnosed with specific chronic diseases like (Diabetes, Arthritis, </a:t>
-            </a:r>
-            <a:r>
-              <a:rPr lang="en-US" dirty="0" err="1"/>
-              <a:t>etc</a:t>
-            </a:r>
+              <a:t>Sum of importance of all chronic illnesses: 17.2%</a:t>
+            </a:r>
+          </a:p>
+          <a:p>
+            <a:pPr lvl="1"/>
             <a:r>
               <a:rPr lang="en-US" dirty="0"/>
-              <a:t>)</a:t>
+              <a:t>Average annual prescription cost for respective specialty: 9.5%</a:t>
             </a:r>
           </a:p>
           <a:p>
             <a:pPr lvl="1"/>
             <a:r>
               <a:rPr lang="en-US" dirty="0"/>
-              <a:t>Percentage of patients on Medicare</a:t>
+              <a:t>Number of Beneficiaries with Medicaid: 6.5%</a:t>
             </a:r>
           </a:p>
           <a:p>
             <a:pPr lvl="1"/>
             <a:r>
               <a:rPr lang="en-US" dirty="0"/>
-              <a:t>Number of Medicare Beneficiaries they </a:t>
-            </a:r>
-            <a:r>
-              <a:rPr lang="en-US" dirty="0" err="1"/>
-              <a:t>asaw</a:t>
-            </a:r>
-            <a:endParaRPr lang="en-US" dirty="0"/>
-          </a:p>
-          <a:p>
-            <a:pPr lvl="1"/>
+              <a:t>Sum of Age Demographic Information: 6.2%</a:t>
+            </a:r>
+          </a:p>
+          <a:p>
+            <a:endParaRPr lang="en-US" dirty="0"/>
+          </a:p>
+          <a:p>
+            <a:pPr marL="36900" indent="0">
+              <a:buNone/>
+            </a:pPr>
             <a:endParaRPr lang="en-US" dirty="0"/>
           </a:p>
           <a:p>
@@ -7610,19 +7505,19 @@
         <p:spPr/>
         <p:txBody>
           <a:bodyPr>
-            <a:normAutofit fontScale="92500" lnSpcReduction="20000"/>
+            <a:normAutofit fontScale="92500" lnSpcReduction="10000"/>
           </a:bodyPr>
           <a:lstStyle/>
           <a:p>
             <a:r>
               <a:rPr lang="en-US" dirty="0"/>
-              <a:t>When making predictions on what doctor’s drug costs could be it was important to make sure our machine learning algorithm’s were taking into consideration physicians specialties. </a:t>
+              <a:t>When making predictions on what doctor’s drug costs could be it was important to make sure our machine learning algorithm’s dealt with specialties as a categorical variable </a:t>
             </a:r>
           </a:p>
           <a:p>
             <a:r>
               <a:rPr lang="en-US" dirty="0"/>
-              <a:t>One reason for this is specialties have such different average cost per prescription because more expensive medications may be commonly used for the specific chronic illnesses that they regularly deal with</a:t>
+              <a:t>Dealing with different chronic illnesses different types of specialists prescribe distinctly different set of drugs with highly variable average cost per prescription</a:t>
             </a:r>
           </a:p>
           <a:p>
@@ -7754,13 +7649,13 @@
           <a:p>
             <a:r>
               <a:rPr lang="en-US" dirty="0"/>
-              <a:t>The frequency of a specific disease in their patients have a much greater effect on their prescription drug costs than unrelated illnesses.</a:t>
+              <a:t>If a disease falls in the domain of the specialty, it’s frequency in physician’s patient population has a much greater affect on prescription drug costs of a doctor.</a:t>
             </a:r>
           </a:p>
           <a:p>
             <a:r>
               <a:rPr lang="en-US" dirty="0"/>
-              <a:t>One reason algorithms must differentiate specialties is so that they can recognize the different correlations between the disease of their patients  and how to quantify the effect of patient illness on drug costs. </a:t>
+              <a:t>One reason algorithms must differentiate specialties is so that they can recognize and quantify correlations between the frequency of specific diseases and different specialties drug costs</a:t>
             </a:r>
           </a:p>
         </p:txBody>
@@ -7974,7 +7869,7 @@
         <p:spPr/>
         <p:txBody>
           <a:bodyPr>
-            <a:normAutofit fontScale="77500" lnSpcReduction="20000"/>
+            <a:normAutofit fontScale="70000" lnSpcReduction="20000"/>
           </a:bodyPr>
           <a:lstStyle/>
           <a:p>
@@ -7986,7 +7881,7 @@
           <a:p>
             <a:r>
               <a:rPr lang="en-US" dirty="0"/>
-              <a:t>In order for the algorithms to apply the categorical variables it was necessary to filter out the less common of the 70 listed in the data. </a:t>
+              <a:t>In order for the algorithms to apply the categorical variables it was necessary to filter out some specialties. I filtered the less common of the 70 listed in the data. </a:t>
             </a:r>
           </a:p>
           <a:p>
@@ -7998,7 +7893,7 @@
           <a:p>
             <a:r>
               <a:rPr lang="en-US" dirty="0"/>
-              <a:t>I also created an additional feature which was simply the average annual drug cost of a physicians </a:t>
+              <a:t>I also created an additional feature which was simply the average annual drug cost of all physicians in a respective physician’s specialty</a:t>
             </a:r>
           </a:p>
           <a:p>
